--- a/doc/task09/Final Presentation.pptx
+++ b/doc/task09/Final Presentation.pptx
@@ -5,10 +5,10 @@
     <p:sldMasterId id="2147483669" r:id="rId4"/>
   </p:sldMasterIdLst>
   <p:notesMasterIdLst>
-    <p:notesMasterId r:id="rId18"/>
+    <p:notesMasterId r:id="rId19"/>
   </p:notesMasterIdLst>
   <p:handoutMasterIdLst>
-    <p:handoutMasterId r:id="rId19"/>
+    <p:handoutMasterId r:id="rId20"/>
   </p:handoutMasterIdLst>
   <p:sldIdLst>
     <p:sldId id="259" r:id="rId5"/>
@@ -18,12 +18,13 @@
     <p:sldId id="284" r:id="rId9"/>
     <p:sldId id="273" r:id="rId10"/>
     <p:sldId id="282" r:id="rId11"/>
-    <p:sldId id="274" r:id="rId12"/>
-    <p:sldId id="275" r:id="rId13"/>
-    <p:sldId id="276" r:id="rId14"/>
-    <p:sldId id="277" r:id="rId15"/>
-    <p:sldId id="278" r:id="rId16"/>
-    <p:sldId id="272" r:id="rId17"/>
+    <p:sldId id="285" r:id="rId12"/>
+    <p:sldId id="274" r:id="rId13"/>
+    <p:sldId id="275" r:id="rId14"/>
+    <p:sldId id="276" r:id="rId15"/>
+    <p:sldId id="277" r:id="rId16"/>
+    <p:sldId id="278" r:id="rId17"/>
+    <p:sldId id="272" r:id="rId18"/>
   </p:sldIdLst>
   <p:sldSz cx="9144000" cy="6858000" type="screen4x3"/>
   <p:notesSz cx="6797675" cy="9872663"/>
@@ -6960,8 +6961,8 @@
         </p:nvSpPr>
         <p:spPr>
           <a:xfrm>
-            <a:off x="468000" y="1120588"/>
-            <a:ext cx="8100000" cy="4999411"/>
+            <a:off x="468000" y="1138518"/>
+            <a:ext cx="8100000" cy="4981481"/>
           </a:xfrm>
         </p:spPr>
         <p:txBody>
@@ -6973,40 +6974,55 @@
             </a:pPr>
             <a:r>
               <a:rPr lang="de-CH" b="1" dirty="0"/>
-              <a:t>Yann Roth</a:t>
-            </a:r>
-          </a:p>
-          <a:p>
-            <a:r>
-              <a:rPr lang="de-CH" dirty="0"/>
-              <a:t>Grundgerüst der Applikation</a:t>
-            </a:r>
-          </a:p>
-          <a:p>
-            <a:r>
-              <a:rPr lang="de-CH" dirty="0"/>
-              <a:t>Main MVP</a:t>
-            </a:r>
-          </a:p>
-          <a:p>
-            <a:r>
-              <a:rPr lang="de-CH" dirty="0"/>
-              <a:t>DB-Anknüpfung &amp; Design</a:t>
-            </a:r>
-          </a:p>
-          <a:p>
-            <a:r>
-              <a:rPr lang="de-CH" dirty="0"/>
-              <a:t>Repository-</a:t>
+              <a:t>Marco Müller</a:t>
+            </a:r>
+          </a:p>
+          <a:p>
+            <a:r>
+              <a:rPr lang="de-CH" dirty="0"/>
+              <a:t>Home MVP</a:t>
+            </a:r>
+          </a:p>
+          <a:p>
+            <a:r>
+              <a:rPr lang="de-CH" dirty="0"/>
+              <a:t>Slider für </a:t>
             </a:r>
             <a:r>
               <a:rPr lang="de-CH" dirty="0" err="1"/>
-              <a:t>Queries</a:t>
-            </a:r>
-            <a:r>
-              <a:rPr lang="de-CH" dirty="0"/>
-              <a:t> schreiben</a:t>
-            </a:r>
+              <a:t>Mood</a:t>
+            </a:r>
+            <a:r>
+              <a:rPr lang="de-CH" dirty="0"/>
+              <a:t>-Aufnahme</a:t>
+            </a:r>
+          </a:p>
+          <a:p>
+            <a:r>
+              <a:rPr lang="de-CH" dirty="0"/>
+              <a:t>Persistenz von </a:t>
+            </a:r>
+            <a:r>
+              <a:rPr lang="de-CH" dirty="0" err="1"/>
+              <a:t>HomeView</a:t>
+            </a:r>
+            <a:r>
+              <a:rPr lang="de-CH" dirty="0"/>
+              <a:t> &lt;&gt; </a:t>
+            </a:r>
+            <a:r>
+              <a:rPr lang="de-CH" dirty="0" err="1"/>
+              <a:t>CalendarView</a:t>
+            </a:r>
+            <a:r>
+              <a:rPr lang="de-CH" dirty="0"/>
+              <a:t>/</a:t>
+            </a:r>
+            <a:r>
+              <a:rPr lang="de-CH" dirty="0" err="1"/>
+              <a:t>MoodView</a:t>
+            </a:r>
+            <a:endParaRPr lang="de-CH" dirty="0"/>
           </a:p>
           <a:p>
             <a:r>
@@ -7023,43 +7039,50 @@
             </a:pPr>
             <a:r>
               <a:rPr lang="de-CH" b="1" dirty="0"/>
-              <a:t>Remo Hofmann</a:t>
-            </a:r>
-          </a:p>
-          <a:p>
-            <a:r>
-              <a:rPr lang="de-CH" dirty="0"/>
-              <a:t>Settings MVP</a:t>
-            </a:r>
-          </a:p>
-          <a:p>
-            <a:r>
-              <a:rPr lang="de-CH" dirty="0"/>
-              <a:t>Serverbereitstellung</a:t>
-            </a:r>
-          </a:p>
-          <a:p>
-            <a:r>
-              <a:rPr lang="de-CH" dirty="0"/>
-              <a:t>DB aufsetzen (Grundgerüst)</a:t>
-            </a:r>
-          </a:p>
-          <a:p>
-            <a:r>
-              <a:rPr lang="de-CH" dirty="0"/>
-              <a:t>Diverse </a:t>
-            </a:r>
+              <a:t>Nico </a:t>
+            </a:r>
+            <a:r>
+              <a:rPr lang="de-CH" b="1" dirty="0" err="1"/>
+              <a:t>Lieberherr</a:t>
+            </a:r>
+            <a:endParaRPr lang="de-CH" b="1" dirty="0"/>
+          </a:p>
+          <a:p>
             <a:r>
               <a:rPr lang="de-CH" dirty="0" err="1"/>
-              <a:t>UnitTests</a:t>
-            </a:r>
+              <a:t>Calendar</a:t>
+            </a:r>
+            <a:r>
+              <a:rPr lang="de-CH" dirty="0"/>
+              <a:t> MVP</a:t>
+            </a:r>
+          </a:p>
+          <a:p>
+            <a:r>
+              <a:rPr lang="de-CH" dirty="0" err="1"/>
+              <a:t>Kalenderimplementation</a:t>
+            </a:r>
+            <a:r>
+              <a:rPr lang="de-CH" dirty="0"/>
+              <a:t> aus externer </a:t>
+            </a:r>
+            <a:r>
+              <a:rPr lang="de-CH" dirty="0" err="1"/>
+              <a:t>Quele</a:t>
+            </a:r>
+            <a:r>
+              <a:rPr lang="de-CH" dirty="0"/>
+              <a:t> mit allen Funktionen.</a:t>
+            </a:r>
+          </a:p>
+          <a:p>
+            <a:r>
+              <a:rPr lang="de-CH" dirty="0"/>
+              <a:t>Review von Code anderer Gruppenmitglieder</a:t>
+            </a:r>
+          </a:p>
+          <a:p>
             <a:endParaRPr lang="de-CH" dirty="0"/>
-          </a:p>
-          <a:p>
-            <a:r>
-              <a:rPr lang="de-CH" dirty="0"/>
-              <a:t>Review von Code anderer Gruppenmitglieder</a:t>
-            </a:r>
           </a:p>
           <a:p>
             <a:pPr marL="0" indent="0">
@@ -7098,7 +7121,7 @@
     </p:spTree>
     <p:extLst>
       <p:ext uri="{BB962C8B-B14F-4D97-AF65-F5344CB8AC3E}">
-        <p14:creationId xmlns:p14="http://schemas.microsoft.com/office/powerpoint/2010/main" val="98989109"/>
+        <p14:creationId xmlns:p14="http://schemas.microsoft.com/office/powerpoint/2010/main" val="3626472068"/>
       </p:ext>
     </p:extLst>
   </p:cSld>
@@ -7137,8 +7160,8 @@
         </p:nvSpPr>
         <p:spPr>
           <a:xfrm>
-            <a:off x="468000" y="1066800"/>
-            <a:ext cx="8100000" cy="5053199"/>
+            <a:off x="468000" y="1120588"/>
+            <a:ext cx="8100000" cy="4999411"/>
           </a:xfrm>
         </p:spPr>
         <p:txBody>
@@ -7150,95 +7173,93 @@
             </a:pPr>
             <a:r>
               <a:rPr lang="de-CH" b="1" dirty="0"/>
-              <a:t>Pro</a:t>
-            </a:r>
-          </a:p>
-          <a:p>
-            <a:r>
-              <a:rPr lang="de-CH" dirty="0"/>
-              <a:t>Teamarbeit</a:t>
-            </a:r>
-          </a:p>
-          <a:p>
-            <a:r>
-              <a:rPr lang="de-CH" dirty="0"/>
-              <a:t>Arbeit in Sprints / </a:t>
+              <a:t>Yann Roth</a:t>
+            </a:r>
+          </a:p>
+          <a:p>
+            <a:r>
+              <a:rPr lang="de-CH" dirty="0"/>
+              <a:t>Grundgerüst der Applikation</a:t>
+            </a:r>
+          </a:p>
+          <a:p>
+            <a:r>
+              <a:rPr lang="de-CH" dirty="0"/>
+              <a:t>Main MVP</a:t>
+            </a:r>
+          </a:p>
+          <a:p>
+            <a:r>
+              <a:rPr lang="de-CH" dirty="0"/>
+              <a:t>DB-Anknüpfung &amp; Design</a:t>
+            </a:r>
+          </a:p>
+          <a:p>
+            <a:r>
+              <a:rPr lang="de-CH" dirty="0"/>
+              <a:t>Repository-</a:t>
             </a:r>
             <a:r>
               <a:rPr lang="de-CH" dirty="0" err="1"/>
-              <a:t>Scrum</a:t>
-            </a:r>
-            <a:r>
-              <a:rPr lang="de-CH" dirty="0"/>
-              <a:t> Entwicklung an sich</a:t>
-            </a:r>
-          </a:p>
-          <a:p>
-            <a:r>
-              <a:rPr lang="de-CH" dirty="0"/>
-              <a:t>Codereviews</a:t>
-            </a:r>
-          </a:p>
-          <a:p>
+              <a:t>Queries</a:t>
+            </a:r>
+            <a:r>
+              <a:rPr lang="de-CH" dirty="0"/>
+              <a:t> schreiben</a:t>
+            </a:r>
+          </a:p>
+          <a:p>
+            <a:r>
+              <a:rPr lang="de-CH" dirty="0"/>
+              <a:t>Review von Code anderer Gruppenmitglieder</a:t>
+            </a:r>
+          </a:p>
+          <a:p>
+            <a:endParaRPr lang="de-CH" dirty="0"/>
+          </a:p>
+          <a:p>
+            <a:pPr marL="0" indent="0">
+              <a:buNone/>
+            </a:pPr>
+            <a:r>
+              <a:rPr lang="de-CH" b="1" dirty="0"/>
+              <a:t>Remo Hofmann</a:t>
+            </a:r>
+          </a:p>
+          <a:p>
+            <a:r>
+              <a:rPr lang="de-CH" dirty="0"/>
+              <a:t>Settings MVP</a:t>
+            </a:r>
+          </a:p>
+          <a:p>
+            <a:r>
+              <a:rPr lang="de-CH" dirty="0"/>
+              <a:t>Serverbereitstellung</a:t>
+            </a:r>
+          </a:p>
+          <a:p>
+            <a:r>
+              <a:rPr lang="de-CH" dirty="0"/>
+              <a:t>DB aufsetzen (Grundgerüst)</a:t>
+            </a:r>
+          </a:p>
+          <a:p>
+            <a:r>
+              <a:rPr lang="de-CH" dirty="0"/>
+              <a:t>Diverse </a:t>
+            </a:r>
             <a:r>
               <a:rPr lang="de-CH" dirty="0" err="1"/>
-              <a:t>Vaadin</a:t>
-            </a:r>
-            <a:r>
-              <a:rPr lang="de-CH" dirty="0"/>
-              <a:t> als Frontendtechnologie kennengelernt</a:t>
-            </a:r>
-          </a:p>
-          <a:p>
-            <a:r>
-              <a:rPr lang="de-CH" dirty="0"/>
-              <a:t>Einfache Frontendgestaltung</a:t>
-            </a:r>
-          </a:p>
-          <a:p>
-            <a:r>
-              <a:rPr lang="de-CH" dirty="0"/>
-              <a:t>Detaillierte Diskussion der Architektur</a:t>
-            </a:r>
-          </a:p>
-          <a:p>
-            <a:r>
-              <a:rPr lang="de-CH" dirty="0"/>
-              <a:t>Arbeitsteilung im Team</a:t>
-            </a:r>
-          </a:p>
-          <a:p>
-            <a:r>
-              <a:rPr lang="de-CH" dirty="0"/>
-              <a:t>Projekt als Spiel ist eine sinnvolle Lernmethode</a:t>
-            </a:r>
-          </a:p>
-          <a:p>
-            <a:r>
-              <a:rPr lang="de-CH" dirty="0"/>
-              <a:t>MVP Pattern persönlich implementieren</a:t>
-            </a:r>
-          </a:p>
-          <a:p>
-            <a:r>
-              <a:rPr lang="de-CH" dirty="0"/>
-              <a:t>Arbeit mit H2DB kennengelernt</a:t>
-            </a:r>
-          </a:p>
-          <a:p>
+              <a:t>UnitTests</a:t>
+            </a:r>
             <a:endParaRPr lang="de-CH" dirty="0"/>
           </a:p>
           <a:p>
-            <a:endParaRPr lang="de-CH" dirty="0"/>
-          </a:p>
-          <a:p>
-            <a:endParaRPr lang="de-CH" dirty="0"/>
-          </a:p>
-          <a:p>
-            <a:endParaRPr lang="de-CH" dirty="0"/>
-          </a:p>
-          <a:p>
-            <a:endParaRPr lang="de-CH" dirty="0"/>
+            <a:r>
+              <a:rPr lang="de-CH" dirty="0"/>
+              <a:t>Review von Code anderer Gruppenmitglieder</a:t>
+            </a:r>
           </a:p>
           <a:p>
             <a:pPr marL="0" indent="0">
@@ -7265,24 +7286,19 @@
           <a:p>
             <a:r>
               <a:rPr lang="de-CH" dirty="0" err="1"/>
-              <a:t>Lessons</a:t>
-            </a:r>
-            <a:r>
-              <a:rPr lang="de-CH" dirty="0"/>
-              <a:t> </a:t>
-            </a:r>
-            <a:r>
-              <a:rPr lang="de-CH" dirty="0" err="1"/>
-              <a:t>learnt</a:t>
-            </a:r>
-            <a:endParaRPr lang="de-CH" dirty="0"/>
+              <a:t>Contribution</a:t>
+            </a:r>
+            <a:r>
+              <a:rPr lang="de-CH" dirty="0"/>
+              <a:t> per individual</a:t>
+            </a:r>
           </a:p>
         </p:txBody>
       </p:sp>
     </p:spTree>
     <p:extLst>
       <p:ext uri="{BB962C8B-B14F-4D97-AF65-F5344CB8AC3E}">
-        <p14:creationId xmlns:p14="http://schemas.microsoft.com/office/powerpoint/2010/main" val="480008310"/>
+        <p14:creationId xmlns:p14="http://schemas.microsoft.com/office/powerpoint/2010/main" val="98989109"/>
       </p:ext>
     </p:extLst>
   </p:cSld>
@@ -7333,6 +7349,190 @@
               <a:buNone/>
             </a:pPr>
             <a:r>
+              <a:rPr lang="de-CH" b="1" dirty="0"/>
+              <a:t>Pro</a:t>
+            </a:r>
+          </a:p>
+          <a:p>
+            <a:r>
+              <a:rPr lang="de-CH" dirty="0"/>
+              <a:t>Teamarbeit</a:t>
+            </a:r>
+          </a:p>
+          <a:p>
+            <a:r>
+              <a:rPr lang="de-CH" dirty="0"/>
+              <a:t>Arbeit in Sprints / </a:t>
+            </a:r>
+            <a:r>
+              <a:rPr lang="de-CH" dirty="0" err="1"/>
+              <a:t>Scrum</a:t>
+            </a:r>
+            <a:r>
+              <a:rPr lang="de-CH" dirty="0"/>
+              <a:t> Entwicklung an sich</a:t>
+            </a:r>
+          </a:p>
+          <a:p>
+            <a:r>
+              <a:rPr lang="de-CH" dirty="0"/>
+              <a:t>Codereviews</a:t>
+            </a:r>
+          </a:p>
+          <a:p>
+            <a:r>
+              <a:rPr lang="de-CH" dirty="0" err="1"/>
+              <a:t>Vaadin</a:t>
+            </a:r>
+            <a:r>
+              <a:rPr lang="de-CH" dirty="0"/>
+              <a:t> als Frontendtechnologie kennengelernt</a:t>
+            </a:r>
+          </a:p>
+          <a:p>
+            <a:r>
+              <a:rPr lang="de-CH" dirty="0"/>
+              <a:t>Einfache Frontendgestaltung</a:t>
+            </a:r>
+          </a:p>
+          <a:p>
+            <a:r>
+              <a:rPr lang="de-CH" dirty="0"/>
+              <a:t>Detaillierte Diskussion der Architektur</a:t>
+            </a:r>
+          </a:p>
+          <a:p>
+            <a:r>
+              <a:rPr lang="de-CH" dirty="0"/>
+              <a:t>Arbeitsteilung im Team</a:t>
+            </a:r>
+          </a:p>
+          <a:p>
+            <a:r>
+              <a:rPr lang="de-CH" dirty="0"/>
+              <a:t>Projekt als Spiel ist eine sinnvolle Lernmethode</a:t>
+            </a:r>
+          </a:p>
+          <a:p>
+            <a:r>
+              <a:rPr lang="de-CH" dirty="0"/>
+              <a:t>MVP Pattern persönlich implementieren</a:t>
+            </a:r>
+          </a:p>
+          <a:p>
+            <a:r>
+              <a:rPr lang="de-CH" dirty="0"/>
+              <a:t>Arbeit mit H2DB kennengelernt</a:t>
+            </a:r>
+          </a:p>
+          <a:p>
+            <a:endParaRPr lang="de-CH" dirty="0"/>
+          </a:p>
+          <a:p>
+            <a:endParaRPr lang="de-CH" dirty="0"/>
+          </a:p>
+          <a:p>
+            <a:endParaRPr lang="de-CH" dirty="0"/>
+          </a:p>
+          <a:p>
+            <a:endParaRPr lang="de-CH" dirty="0"/>
+          </a:p>
+          <a:p>
+            <a:endParaRPr lang="de-CH" dirty="0"/>
+          </a:p>
+          <a:p>
+            <a:pPr marL="0" indent="0">
+              <a:buNone/>
+            </a:pPr>
+            <a:endParaRPr lang="de-CH" dirty="0"/>
+          </a:p>
+        </p:txBody>
+      </p:sp>
+      <p:sp>
+        <p:nvSpPr>
+          <p:cNvPr id="3" name="Titel 2"/>
+          <p:cNvSpPr>
+            <a:spLocks noGrp="1"/>
+          </p:cNvSpPr>
+          <p:nvPr>
+            <p:ph type="ctrTitle"/>
+          </p:nvPr>
+        </p:nvSpPr>
+        <p:spPr/>
+        <p:txBody>
+          <a:bodyPr/>
+          <a:lstStyle/>
+          <a:p>
+            <a:r>
+              <a:rPr lang="de-CH" dirty="0" err="1"/>
+              <a:t>Lessons</a:t>
+            </a:r>
+            <a:r>
+              <a:rPr lang="de-CH" dirty="0"/>
+              <a:t> </a:t>
+            </a:r>
+            <a:r>
+              <a:rPr lang="de-CH" dirty="0" err="1"/>
+              <a:t>learnt</a:t>
+            </a:r>
+            <a:endParaRPr lang="de-CH" dirty="0"/>
+          </a:p>
+        </p:txBody>
+      </p:sp>
+    </p:spTree>
+    <p:extLst>
+      <p:ext uri="{BB962C8B-B14F-4D97-AF65-F5344CB8AC3E}">
+        <p14:creationId xmlns:p14="http://schemas.microsoft.com/office/powerpoint/2010/main" val="480008310"/>
+      </p:ext>
+    </p:extLst>
+  </p:cSld>
+  <p:clrMapOvr>
+    <a:masterClrMapping/>
+  </p:clrMapOvr>
+</p:sld>
+</file>
+
+<file path=ppt/slides/slide13.xml><?xml version="1.0" encoding="utf-8"?>
+<p:sld xmlns:a="http://schemas.openxmlformats.org/drawingml/2006/main" xmlns:r="http://schemas.openxmlformats.org/officeDocument/2006/relationships" xmlns:p="http://schemas.openxmlformats.org/presentationml/2006/main">
+  <p:cSld>
+    <p:spTree>
+      <p:nvGrpSpPr>
+        <p:cNvPr id="1" name=""/>
+        <p:cNvGrpSpPr/>
+        <p:nvPr/>
+      </p:nvGrpSpPr>
+      <p:grpSpPr>
+        <a:xfrm>
+          <a:off x="0" y="0"/>
+          <a:ext cx="0" cy="0"/>
+          <a:chOff x="0" y="0"/>
+          <a:chExt cx="0" cy="0"/>
+        </a:xfrm>
+      </p:grpSpPr>
+      <p:sp>
+        <p:nvSpPr>
+          <p:cNvPr id="2" name="Inhaltsplatzhalter 1"/>
+          <p:cNvSpPr>
+            <a:spLocks noGrp="1"/>
+          </p:cNvSpPr>
+          <p:nvPr>
+            <p:ph sz="half" idx="1"/>
+          </p:nvPr>
+        </p:nvSpPr>
+        <p:spPr>
+          <a:xfrm>
+            <a:off x="468000" y="1066800"/>
+            <a:ext cx="8100000" cy="5053199"/>
+          </a:xfrm>
+        </p:spPr>
+        <p:txBody>
+          <a:bodyPr/>
+          <a:lstStyle/>
+          <a:p>
+            <a:pPr marL="0" indent="0">
+              <a:buNone/>
+            </a:pPr>
+            <a:r>
               <a:rPr lang="de-CH" b="1" dirty="0" err="1"/>
               <a:t>Con</a:t>
             </a:r>
@@ -7491,7 +7691,7 @@
 </p:sld>
 </file>
 
-<file path=ppt/slides/slide13.xml><?xml version="1.0" encoding="utf-8"?>
+<file path=ppt/slides/slide14.xml><?xml version="1.0" encoding="utf-8"?>
 <p:sld xmlns:a="http://schemas.openxmlformats.org/drawingml/2006/main" xmlns:r="http://schemas.openxmlformats.org/officeDocument/2006/relationships" xmlns:p="http://schemas.openxmlformats.org/presentationml/2006/main">
   <p:cSld>
     <p:spTree>
@@ -8369,8 +8569,44 @@
           <a:lstStyle/>
           <a:p>
             <a:r>
-              <a:rPr lang="de-CH" dirty="0"/>
-              <a:t>…	</a:t>
+              <a:rPr lang="en-US" dirty="0"/>
+              <a:t>Full Java stack with </a:t>
+            </a:r>
+            <a:r>
+              <a:rPr lang="en-US" dirty="0" err="1"/>
+              <a:t>Vaadin</a:t>
+            </a:r>
+            <a:r>
+              <a:rPr lang="en-US" dirty="0"/>
+              <a:t> frontend and repository tied to H2 SQL database</a:t>
+            </a:r>
+          </a:p>
+          <a:p>
+            <a:r>
+              <a:rPr lang="en-US" dirty="0"/>
+              <a:t>MVP software pattern for general architecture</a:t>
+            </a:r>
+          </a:p>
+          <a:p>
+            <a:r>
+              <a:rPr lang="en-US" dirty="0"/>
+              <a:t>Observer pattern to handle program flow</a:t>
+            </a:r>
+          </a:p>
+          <a:p>
+            <a:r>
+              <a:rPr lang="en-US" dirty="0"/>
+              <a:t>Independent, modular design for different views that each implement their own observer pattern and tie to the main view through a common interface</a:t>
+            </a:r>
+          </a:p>
+          <a:p>
+            <a:r>
+              <a:rPr lang="en-US" dirty="0"/>
+              <a:t>Central repository handles persistent &amp; user data independently of other components</a:t>
+            </a:r>
+            <a:r>
+              <a:rPr lang="de-CH" dirty="0"/>
+              <a:t>	</a:t>
             </a:r>
           </a:p>
           <a:p>
@@ -8460,195 +8696,218 @@
             <p:ph sz="half" idx="1"/>
           </p:nvPr>
         </p:nvSpPr>
-        <p:spPr>
-          <a:xfrm>
-            <a:off x="468000" y="1004047"/>
-            <a:ext cx="8100000" cy="5115952"/>
-          </a:xfrm>
-        </p:spPr>
+        <p:spPr/>
         <p:txBody>
           <a:bodyPr/>
           <a:lstStyle/>
           <a:p>
-            <a:pPr marL="0" indent="0">
-              <a:buNone/>
-            </a:pPr>
-            <a:r>
-              <a:rPr lang="de-CH" b="1" dirty="0"/>
-              <a:t>Elias </a:t>
-            </a:r>
-            <a:r>
-              <a:rPr lang="de-CH" b="1" dirty="0" err="1"/>
-              <a:t>Vihma</a:t>
-            </a:r>
-            <a:endParaRPr lang="de-CH" b="1" dirty="0"/>
-          </a:p>
-          <a:p>
-            <a:r>
-              <a:rPr lang="de-CH" dirty="0" err="1"/>
-              <a:t>Mood</a:t>
-            </a:r>
-            <a:r>
-              <a:rPr lang="de-CH" dirty="0"/>
-              <a:t> MVP</a:t>
-            </a:r>
-          </a:p>
-          <a:p>
-            <a:r>
-              <a:rPr lang="de-CH" dirty="0" err="1"/>
-              <a:t>Refactor</a:t>
-            </a:r>
-            <a:r>
-              <a:rPr lang="de-CH" dirty="0"/>
-              <a:t> Observer-Interface für </a:t>
-            </a:r>
-            <a:r>
-              <a:rPr lang="de-CH" dirty="0" err="1"/>
-              <a:t>Mood-Observers</a:t>
-            </a:r>
-            <a:endParaRPr lang="de-CH" dirty="0"/>
-          </a:p>
-          <a:p>
-            <a:r>
-              <a:rPr lang="de-CH" dirty="0"/>
-              <a:t>Kalenderlogik (Auf Home-View einsehbar)</a:t>
-            </a:r>
-          </a:p>
-          <a:p>
-            <a:r>
-              <a:rPr lang="de-CH" dirty="0"/>
-              <a:t>UI </a:t>
-            </a:r>
-            <a:r>
-              <a:rPr lang="de-CH" dirty="0" err="1"/>
-              <a:t>Refinement</a:t>
-            </a:r>
-            <a:r>
-              <a:rPr lang="de-CH" dirty="0"/>
-              <a:t> Master (</a:t>
-            </a:r>
-            <a:r>
-              <a:rPr lang="de-CH" dirty="0" err="1"/>
-              <a:t>sizing</a:t>
-            </a:r>
-            <a:r>
-              <a:rPr lang="de-CH" dirty="0"/>
-              <a:t>, style etc.)</a:t>
-            </a:r>
-          </a:p>
-          <a:p>
-            <a:r>
-              <a:rPr lang="de-CH" dirty="0"/>
-              <a:t>Review von Code anderer Gruppenmitglieder</a:t>
-            </a:r>
-          </a:p>
-          <a:p>
-            <a:endParaRPr lang="de-CH" dirty="0"/>
-          </a:p>
-          <a:p>
-            <a:pPr marL="0" indent="0">
-              <a:buNone/>
-            </a:pPr>
-            <a:r>
-              <a:rPr lang="de-CH" b="1" dirty="0"/>
-              <a:t>Lukas Zoller</a:t>
-            </a:r>
-          </a:p>
-          <a:p>
-            <a:r>
-              <a:rPr lang="de-CH" dirty="0" err="1"/>
-              <a:t>Tip</a:t>
-            </a:r>
-            <a:r>
-              <a:rPr lang="de-CH" dirty="0"/>
-              <a:t> MVP</a:t>
-            </a:r>
-          </a:p>
-          <a:p>
-            <a:r>
-              <a:rPr lang="de-CH" dirty="0" err="1"/>
-              <a:t>Refactor</a:t>
-            </a:r>
-            <a:r>
-              <a:rPr lang="de-CH" dirty="0"/>
-              <a:t> Observer-Interface für </a:t>
-            </a:r>
-            <a:r>
-              <a:rPr lang="de-CH" dirty="0" err="1"/>
-              <a:t>Tip-Observers</a:t>
-            </a:r>
-            <a:endParaRPr lang="de-CH" dirty="0"/>
-          </a:p>
-          <a:p>
-            <a:r>
-              <a:rPr lang="de-CH" dirty="0" err="1"/>
-              <a:t>Tip</a:t>
-            </a:r>
-            <a:r>
-              <a:rPr lang="de-CH" dirty="0"/>
-              <a:t>-Filter-Mechanismus implementiert</a:t>
-            </a:r>
-          </a:p>
-          <a:p>
-            <a:r>
-              <a:rPr lang="de-CH" dirty="0"/>
-              <a:t>Spot-Bugs</a:t>
-            </a:r>
-          </a:p>
-          <a:p>
-            <a:r>
-              <a:rPr lang="de-CH" dirty="0"/>
-              <a:t>UML Class </a:t>
-            </a:r>
-            <a:r>
-              <a:rPr lang="de-CH" dirty="0" err="1"/>
-              <a:t>Diagram</a:t>
-            </a:r>
-            <a:r>
-              <a:rPr lang="de-CH" dirty="0"/>
-              <a:t> Master</a:t>
-            </a:r>
-          </a:p>
-          <a:p>
-            <a:r>
-              <a:rPr lang="de-CH" dirty="0" err="1"/>
-              <a:t>UnitTest</a:t>
-            </a:r>
-            <a:r>
-              <a:rPr lang="de-CH" dirty="0"/>
-              <a:t> für </a:t>
-            </a:r>
-            <a:r>
-              <a:rPr lang="de-CH" dirty="0" err="1"/>
-              <a:t>TipFiltering</a:t>
-            </a:r>
-            <a:endParaRPr lang="de-CH" dirty="0"/>
-          </a:p>
-          <a:p>
-            <a:r>
-              <a:rPr lang="de-CH" dirty="0"/>
-              <a:t>Review von Code anderer Gruppenmitglieder</a:t>
-            </a:r>
-          </a:p>
-          <a:p>
-            <a:endParaRPr lang="de-CH" dirty="0"/>
-          </a:p>
-          <a:p>
-            <a:endParaRPr lang="de-CH" dirty="0"/>
-          </a:p>
-          <a:p>
-            <a:endParaRPr lang="de-CH" dirty="0"/>
-          </a:p>
-          <a:p>
-            <a:r>
-              <a:rPr lang="de-CH" dirty="0"/>
-              <a:t>	</a:t>
-            </a:r>
-          </a:p>
-          <a:p>
-            <a:pPr marL="0" indent="0">
-              <a:buNone/>
-            </a:pPr>
+            <a:r>
+              <a:rPr lang="en-US" dirty="0"/>
+              <a:t>Full Java stack </a:t>
+            </a:r>
+            <a:r>
+              <a:rPr lang="en-US" dirty="0" err="1"/>
+              <a:t>mit</a:t>
+            </a:r>
+            <a:r>
+              <a:rPr lang="en-US" dirty="0"/>
+              <a:t> </a:t>
+            </a:r>
+            <a:r>
+              <a:rPr lang="en-US" dirty="0" err="1"/>
+              <a:t>Vaadin</a:t>
+            </a:r>
+            <a:r>
+              <a:rPr lang="en-US" dirty="0"/>
+              <a:t> Frontend und Repository an H2 SQL </a:t>
+            </a:r>
+            <a:r>
+              <a:rPr lang="en-US" dirty="0" err="1"/>
+              <a:t>Datenbank</a:t>
+            </a:r>
+            <a:r>
+              <a:rPr lang="en-US" dirty="0"/>
+              <a:t> </a:t>
+            </a:r>
+            <a:r>
+              <a:rPr lang="en-US" dirty="0" err="1"/>
+              <a:t>angebunden</a:t>
+            </a:r>
+            <a:endParaRPr lang="en-US" dirty="0"/>
+          </a:p>
+          <a:p>
+            <a:r>
+              <a:rPr lang="en-US" dirty="0"/>
+              <a:t>MVP Software Pattern </a:t>
+            </a:r>
+            <a:r>
+              <a:rPr lang="en-US" dirty="0" err="1"/>
+              <a:t>für</a:t>
+            </a:r>
+            <a:r>
+              <a:rPr lang="en-US" dirty="0"/>
+              <a:t> die </a:t>
+            </a:r>
+            <a:r>
+              <a:rPr lang="en-US" dirty="0" err="1"/>
+              <a:t>allgemeine</a:t>
+            </a:r>
+            <a:r>
+              <a:rPr lang="en-US" dirty="0"/>
+              <a:t> </a:t>
+            </a:r>
+            <a:r>
+              <a:rPr lang="en-US" dirty="0" err="1"/>
+              <a:t>Architektur</a:t>
+            </a:r>
+            <a:endParaRPr lang="en-US" dirty="0"/>
+          </a:p>
+          <a:p>
+            <a:r>
+              <a:rPr lang="en-US" dirty="0"/>
+              <a:t>Observer Pattern </a:t>
+            </a:r>
+            <a:r>
+              <a:rPr lang="en-US" dirty="0" err="1"/>
+              <a:t>für</a:t>
+            </a:r>
+            <a:r>
+              <a:rPr lang="en-US" dirty="0"/>
+              <a:t> Program Flow Handling</a:t>
+            </a:r>
+          </a:p>
+          <a:p>
+            <a:r>
+              <a:rPr lang="en-US" dirty="0" err="1"/>
+              <a:t>Unabhängiges</a:t>
+            </a:r>
+            <a:r>
+              <a:rPr lang="en-US" dirty="0"/>
+              <a:t>, </a:t>
+            </a:r>
+            <a:r>
+              <a:rPr lang="en-US" dirty="0" err="1"/>
+              <a:t>modulares</a:t>
+            </a:r>
+            <a:r>
+              <a:rPr lang="en-US" dirty="0"/>
+              <a:t> Design </a:t>
+            </a:r>
+            <a:r>
+              <a:rPr lang="en-US" dirty="0" err="1"/>
+              <a:t>für</a:t>
+            </a:r>
+            <a:r>
+              <a:rPr lang="en-US" dirty="0"/>
+              <a:t> </a:t>
+            </a:r>
+            <a:r>
+              <a:rPr lang="en-US" dirty="0" err="1"/>
+              <a:t>verschiedene</a:t>
+            </a:r>
+            <a:r>
+              <a:rPr lang="en-US" dirty="0"/>
+              <a:t> Views, </a:t>
+            </a:r>
+            <a:r>
+              <a:rPr lang="en-US" dirty="0" err="1"/>
+              <a:t>welche</a:t>
+            </a:r>
+            <a:r>
+              <a:rPr lang="en-US" dirty="0"/>
+              <a:t> das </a:t>
+            </a:r>
+            <a:r>
+              <a:rPr lang="en-US" dirty="0" err="1"/>
+              <a:t>eigene</a:t>
+            </a:r>
+            <a:r>
+              <a:rPr lang="en-US" dirty="0"/>
+              <a:t> Observer Pattern </a:t>
+            </a:r>
+            <a:r>
+              <a:rPr lang="en-US" dirty="0" err="1"/>
+              <a:t>implementieren</a:t>
+            </a:r>
+            <a:r>
+              <a:rPr lang="en-US" dirty="0"/>
+              <a:t> und an die Main View per </a:t>
+            </a:r>
+            <a:r>
+              <a:rPr lang="en-US" dirty="0" err="1"/>
+              <a:t>allgemeinem</a:t>
+            </a:r>
+            <a:r>
+              <a:rPr lang="en-US" dirty="0"/>
+              <a:t> Interface </a:t>
+            </a:r>
+            <a:r>
+              <a:rPr lang="en-US" dirty="0" err="1"/>
+              <a:t>angebunden</a:t>
+            </a:r>
+            <a:r>
+              <a:rPr lang="en-US" dirty="0"/>
+              <a:t> </a:t>
+            </a:r>
+            <a:r>
+              <a:rPr lang="en-US" dirty="0" err="1"/>
+              <a:t>sind</a:t>
+            </a:r>
+            <a:endParaRPr lang="en-US" dirty="0"/>
+          </a:p>
+          <a:p>
+            <a:r>
+              <a:rPr lang="en-US" dirty="0" err="1"/>
+              <a:t>Zentrales</a:t>
+            </a:r>
+            <a:r>
+              <a:rPr lang="en-US" dirty="0"/>
+              <a:t> Repository </a:t>
+            </a:r>
+            <a:r>
+              <a:rPr lang="en-US" dirty="0" err="1"/>
+              <a:t>verarbeitet</a:t>
+            </a:r>
+            <a:r>
+              <a:rPr lang="en-US" dirty="0"/>
+              <a:t> </a:t>
+            </a:r>
+            <a:r>
+              <a:rPr lang="en-US" dirty="0" err="1"/>
+              <a:t>Persistenz</a:t>
+            </a:r>
+            <a:r>
+              <a:rPr lang="en-US" dirty="0"/>
+              <a:t>- und </a:t>
+            </a:r>
+            <a:r>
+              <a:rPr lang="en-US" dirty="0" err="1"/>
+              <a:t>Userdaten</a:t>
+            </a:r>
+            <a:r>
+              <a:rPr lang="en-US" dirty="0"/>
+              <a:t> </a:t>
+            </a:r>
+            <a:r>
+              <a:rPr lang="en-US" dirty="0" err="1"/>
+              <a:t>unabhängig</a:t>
+            </a:r>
+            <a:r>
+              <a:rPr lang="en-US" dirty="0"/>
+              <a:t> von </a:t>
+            </a:r>
+            <a:r>
+              <a:rPr lang="en-US" dirty="0" err="1"/>
+              <a:t>anderen</a:t>
+            </a:r>
+            <a:r>
+              <a:rPr lang="en-US" dirty="0"/>
+              <a:t> </a:t>
+            </a:r>
+            <a:r>
+              <a:rPr lang="en-US"/>
+              <a:t>Komponenten</a:t>
+            </a:r>
             <a:endParaRPr lang="de-CH" dirty="0"/>
           </a:p>
         </p:txBody>
@@ -8670,19 +8929,32 @@
           <a:p>
             <a:r>
               <a:rPr lang="de-CH" dirty="0" err="1"/>
-              <a:t>Contribution</a:t>
-            </a:r>
-            <a:r>
-              <a:rPr lang="de-CH" dirty="0"/>
-              <a:t> per individual</a:t>
-            </a:r>
+              <a:t>Architectural</a:t>
+            </a:r>
+            <a:r>
+              <a:rPr lang="de-CH" dirty="0"/>
+              <a:t> and </a:t>
+            </a:r>
+            <a:r>
+              <a:rPr lang="de-CH" dirty="0" err="1"/>
+              <a:t>coding</a:t>
+            </a:r>
+            <a:r>
+              <a:rPr lang="de-CH" dirty="0"/>
+              <a:t> </a:t>
+            </a:r>
+            <a:r>
+              <a:rPr lang="de-CH" dirty="0" err="1"/>
+              <a:t>highlights</a:t>
+            </a:r>
+            <a:endParaRPr lang="de-CH" dirty="0"/>
           </a:p>
         </p:txBody>
       </p:sp>
     </p:spTree>
     <p:extLst>
       <p:ext uri="{BB962C8B-B14F-4D97-AF65-F5344CB8AC3E}">
-        <p14:creationId xmlns:p14="http://schemas.microsoft.com/office/powerpoint/2010/main" val="839024254"/>
+        <p14:creationId xmlns:p14="http://schemas.microsoft.com/office/powerpoint/2010/main" val="237140507"/>
       </p:ext>
     </p:extLst>
   </p:cSld>
@@ -8721,8 +8993,8 @@
         </p:nvSpPr>
         <p:spPr>
           <a:xfrm>
-            <a:off x="468000" y="1138518"/>
-            <a:ext cx="8100000" cy="4981481"/>
+            <a:off x="468000" y="1004047"/>
+            <a:ext cx="8100000" cy="5115952"/>
           </a:xfrm>
         </p:spPr>
         <p:txBody>
@@ -8734,57 +9006,156 @@
             </a:pPr>
             <a:r>
               <a:rPr lang="de-CH" b="1" dirty="0"/>
-              <a:t>Marco Müller</a:t>
-            </a:r>
-          </a:p>
-          <a:p>
-            <a:r>
-              <a:rPr lang="de-CH" dirty="0"/>
-              <a:t>Home MVP</a:t>
-            </a:r>
-          </a:p>
-          <a:p>
-            <a:r>
-              <a:rPr lang="de-CH" dirty="0"/>
-              <a:t>Slider für </a:t>
-            </a:r>
+              <a:t>Elias </a:t>
+            </a:r>
+            <a:r>
+              <a:rPr lang="de-CH" b="1" dirty="0" err="1"/>
+              <a:t>Vihma</a:t>
+            </a:r>
+            <a:endParaRPr lang="de-CH" b="1" dirty="0"/>
+          </a:p>
+          <a:p>
             <a:r>
               <a:rPr lang="de-CH" dirty="0" err="1"/>
               <a:t>Mood</a:t>
             </a:r>
             <a:r>
               <a:rPr lang="de-CH" dirty="0"/>
-              <a:t>-Aufnahme</a:t>
-            </a:r>
-          </a:p>
-          <a:p>
-            <a:r>
-              <a:rPr lang="de-CH" dirty="0"/>
-              <a:t>Persistenz von </a:t>
-            </a:r>
+              <a:t> MVP</a:t>
+            </a:r>
+          </a:p>
+          <a:p>
             <a:r>
               <a:rPr lang="de-CH" dirty="0" err="1"/>
-              <a:t>HomeView</a:t>
-            </a:r>
-            <a:r>
-              <a:rPr lang="de-CH" dirty="0"/>
-              <a:t> &lt;&gt; </a:t>
+              <a:t>Refactor</a:t>
+            </a:r>
+            <a:r>
+              <a:rPr lang="de-CH" dirty="0"/>
+              <a:t> Observer-Interface für </a:t>
             </a:r>
             <a:r>
               <a:rPr lang="de-CH" dirty="0" err="1"/>
-              <a:t>CalendarView</a:t>
-            </a:r>
-            <a:r>
-              <a:rPr lang="de-CH" dirty="0"/>
-              <a:t>/</a:t>
+              <a:t>Mood-Observers</a:t>
+            </a:r>
+            <a:endParaRPr lang="de-CH" dirty="0"/>
+          </a:p>
+          <a:p>
+            <a:r>
+              <a:rPr lang="de-CH" dirty="0"/>
+              <a:t>Kalenderlogik (Auf Home-View einsehbar)</a:t>
+            </a:r>
+          </a:p>
+          <a:p>
+            <a:r>
+              <a:rPr lang="de-CH" dirty="0"/>
+              <a:t>UI </a:t>
             </a:r>
             <a:r>
               <a:rPr lang="de-CH" dirty="0" err="1"/>
-              <a:t>MoodView</a:t>
-            </a:r>
+              <a:t>Refinement</a:t>
+            </a:r>
+            <a:r>
+              <a:rPr lang="de-CH" dirty="0"/>
+              <a:t> Master (</a:t>
+            </a:r>
+            <a:r>
+              <a:rPr lang="de-CH" dirty="0" err="1"/>
+              <a:t>sizing</a:t>
+            </a:r>
+            <a:r>
+              <a:rPr lang="de-CH" dirty="0"/>
+              <a:t>, style etc.)</a:t>
+            </a:r>
+          </a:p>
+          <a:p>
+            <a:r>
+              <a:rPr lang="de-CH" dirty="0"/>
+              <a:t>Review von Code anderer Gruppenmitglieder</a:t>
+            </a:r>
+          </a:p>
+          <a:p>
             <a:endParaRPr lang="de-CH" dirty="0"/>
           </a:p>
           <a:p>
+            <a:pPr marL="0" indent="0">
+              <a:buNone/>
+            </a:pPr>
+            <a:r>
+              <a:rPr lang="de-CH" b="1" dirty="0"/>
+              <a:t>Lukas Zoller</a:t>
+            </a:r>
+          </a:p>
+          <a:p>
+            <a:r>
+              <a:rPr lang="de-CH" dirty="0" err="1"/>
+              <a:t>Tip</a:t>
+            </a:r>
+            <a:r>
+              <a:rPr lang="de-CH" dirty="0"/>
+              <a:t> MVP</a:t>
+            </a:r>
+          </a:p>
+          <a:p>
+            <a:r>
+              <a:rPr lang="de-CH" dirty="0" err="1"/>
+              <a:t>Refactor</a:t>
+            </a:r>
+            <a:r>
+              <a:rPr lang="de-CH" dirty="0"/>
+              <a:t> Observer-Interface für </a:t>
+            </a:r>
+            <a:r>
+              <a:rPr lang="de-CH" dirty="0" err="1"/>
+              <a:t>Tip-Observers</a:t>
+            </a:r>
+            <a:endParaRPr lang="de-CH" dirty="0"/>
+          </a:p>
+          <a:p>
+            <a:r>
+              <a:rPr lang="de-CH" dirty="0" err="1"/>
+              <a:t>Tip</a:t>
+            </a:r>
+            <a:r>
+              <a:rPr lang="de-CH" dirty="0"/>
+              <a:t>-Filter-Mechanismus implementiert</a:t>
+            </a:r>
+          </a:p>
+          <a:p>
+            <a:r>
+              <a:rPr lang="de-CH" dirty="0"/>
+              <a:t>Spot-Bugs</a:t>
+            </a:r>
+          </a:p>
+          <a:p>
+            <a:r>
+              <a:rPr lang="de-CH" dirty="0"/>
+              <a:t>UML Class </a:t>
+            </a:r>
+            <a:r>
+              <a:rPr lang="de-CH" dirty="0" err="1"/>
+              <a:t>Diagram</a:t>
+            </a:r>
+            <a:r>
+              <a:rPr lang="de-CH" dirty="0"/>
+              <a:t> Master</a:t>
+            </a:r>
+          </a:p>
+          <a:p>
+            <a:r>
+              <a:rPr lang="de-CH" dirty="0" err="1"/>
+              <a:t>UnitTest</a:t>
+            </a:r>
+            <a:r>
+              <a:rPr lang="de-CH" dirty="0"/>
+              <a:t> für </a:t>
+            </a:r>
+            <a:r>
+              <a:rPr lang="de-CH" dirty="0" err="1"/>
+              <a:t>TipFiltering</a:t>
+            </a:r>
+            <a:endParaRPr lang="de-CH" dirty="0"/>
+          </a:p>
+          <a:p>
             <a:r>
               <a:rPr lang="de-CH" dirty="0"/>
               <a:t>Review von Code anderer Gruppenmitglieder</a:t>
@@ -8794,55 +9165,16 @@
             <a:endParaRPr lang="de-CH" dirty="0"/>
           </a:p>
           <a:p>
-            <a:pPr marL="0" indent="0">
-              <a:buNone/>
-            </a:pPr>
-            <a:r>
-              <a:rPr lang="de-CH" b="1" dirty="0"/>
-              <a:t>Nico </a:t>
-            </a:r>
-            <a:r>
-              <a:rPr lang="de-CH" b="1" dirty="0" err="1"/>
-              <a:t>Lieberherr</a:t>
-            </a:r>
-            <a:endParaRPr lang="de-CH" b="1" dirty="0"/>
-          </a:p>
-          <a:p>
-            <a:r>
-              <a:rPr lang="de-CH" dirty="0" err="1"/>
-              <a:t>Calendar</a:t>
-            </a:r>
-            <a:r>
-              <a:rPr lang="de-CH" dirty="0"/>
-              <a:t> MVP</a:t>
-            </a:r>
-          </a:p>
-          <a:p>
-            <a:r>
-              <a:rPr lang="de-CH" dirty="0" err="1"/>
-              <a:t>Kalenderimplementation</a:t>
-            </a:r>
-            <a:r>
-              <a:rPr lang="de-CH" dirty="0"/>
-              <a:t> aus externer </a:t>
-            </a:r>
-            <a:r>
-              <a:rPr lang="de-CH" dirty="0" err="1"/>
-              <a:t>Quele</a:t>
-            </a:r>
-            <a:r>
-              <a:rPr lang="de-CH" dirty="0"/>
-              <a:t> mit allen Funktionen.</a:t>
-            </a:r>
-          </a:p>
-          <a:p>
-            <a:r>
-              <a:rPr lang="de-CH" dirty="0"/>
-              <a:t>Review von Code anderer Gruppenmitglieder</a:t>
-            </a:r>
-          </a:p>
-          <a:p>
             <a:endParaRPr lang="de-CH" dirty="0"/>
+          </a:p>
+          <a:p>
+            <a:endParaRPr lang="de-CH" dirty="0"/>
+          </a:p>
+          <a:p>
+            <a:r>
+              <a:rPr lang="de-CH" dirty="0"/>
+              <a:t>	</a:t>
+            </a:r>
           </a:p>
           <a:p>
             <a:pPr marL="0" indent="0">
@@ -8881,7 +9213,7 @@
     </p:spTree>
     <p:extLst>
       <p:ext uri="{BB962C8B-B14F-4D97-AF65-F5344CB8AC3E}">
-        <p14:creationId xmlns:p14="http://schemas.microsoft.com/office/powerpoint/2010/main" val="3626472068"/>
+        <p14:creationId xmlns:p14="http://schemas.microsoft.com/office/powerpoint/2010/main" val="839024254"/>
       </p:ext>
     </p:extLst>
   </p:cSld>
@@ -9727,22 +10059,6 @@
 </file>
 
 <file path=customXml/item1.xml><?xml version="1.0" encoding="utf-8"?>
-<p:properties xmlns:p="http://schemas.microsoft.com/office/2006/metadata/properties" xmlns:xsi="http://www.w3.org/2001/XMLSchema-instance">
-  <documentManagement>
-    <BfhIntranetDepartmentText xmlns="6ba39cd2-5d62-44d6-9fe3-6d65b1ded336">
-      <Terms xmlns="http://schemas.microsoft.com/office/infopath/2007/PartnerControls">
-        <TermInfo xmlns="http://schemas.microsoft.com/office/infopath/2007/PartnerControls">
-          <TermName xmlns="http://schemas.microsoft.com/office/infopath/2007/PartnerControls">Vorlage</TermName>
-          <TermId xmlns="http://schemas.microsoft.com/office/infopath/2007/PartnerControls">de1a6d3c-ac6a-4b34-8edd-308eb81066db</TermId>
-        </TermInfo>
-      </Terms>
-    </BfhIntranetDepartmentText>
-    <QMPilot_DokID xmlns="2551ef7e-3b29-44d1-a8ad-ef34c26bfc60">469</QMPilot_DokID>
-  </documentManagement>
-</p:properties>
-</file>
-
-<file path=customXml/item2.xml><?xml version="1.0" encoding="utf-8"?>
 <ct:contentTypeSchema xmlns:ct="http://schemas.microsoft.com/office/2006/metadata/contentType" xmlns:ma="http://schemas.microsoft.com/office/2006/metadata/properties/metaAttributes" ct:_="" ma:_="" ma:contentTypeName="QMPilot_ContentType" ma:contentTypeID="0x0101009127C3B567804923A8661E062BBD8EF500AB8983C84EF542A7976DC8547A5CDC52001BD440F45714504284DA526949208683" ma:contentTypeVersion="2" ma:contentTypeDescription="Create a new document." ma:contentTypeScope="" ma:versionID="27355b76eaa545f376e73046d797939c">
   <xsd:schema xmlns:xsd="http://www.w3.org/2001/XMLSchema" xmlns:xs="http://www.w3.org/2001/XMLSchema" xmlns:p="http://schemas.microsoft.com/office/2006/metadata/properties" xmlns:ns2="6ba39cd2-5d62-44d6-9fe3-6d65b1ded336" xmlns:ns3="2551ef7e-3b29-44d1-a8ad-ef34c26bfc60" targetNamespace="http://schemas.microsoft.com/office/2006/metadata/properties" ma:root="true" ma:fieldsID="e99cf8416d8699230a3709adba34f5ba" ns2:_="" ns3:_="">
     <xsd:import namespace="6ba39cd2-5d62-44d6-9fe3-6d65b1ded336"/>
@@ -9881,6 +10197,22 @@
 </ct:contentTypeSchema>
 </file>
 
+<file path=customXml/item2.xml><?xml version="1.0" encoding="utf-8"?>
+<p:properties xmlns:p="http://schemas.microsoft.com/office/2006/metadata/properties" xmlns:xsi="http://www.w3.org/2001/XMLSchema-instance">
+  <documentManagement>
+    <BfhIntranetDepartmentText xmlns="6ba39cd2-5d62-44d6-9fe3-6d65b1ded336">
+      <Terms xmlns="http://schemas.microsoft.com/office/infopath/2007/PartnerControls">
+        <TermInfo xmlns="http://schemas.microsoft.com/office/infopath/2007/PartnerControls">
+          <TermName xmlns="http://schemas.microsoft.com/office/infopath/2007/PartnerControls">Vorlage</TermName>
+          <TermId xmlns="http://schemas.microsoft.com/office/infopath/2007/PartnerControls">de1a6d3c-ac6a-4b34-8edd-308eb81066db</TermId>
+        </TermInfo>
+      </Terms>
+    </BfhIntranetDepartmentText>
+    <QMPilot_DokID xmlns="2551ef7e-3b29-44d1-a8ad-ef34c26bfc60">469</QMPilot_DokID>
+  </documentManagement>
+</p:properties>
+</file>
+
 <file path=customXml/item3.xml><?xml version="1.0" encoding="utf-8"?>
 <?mso-contentType ?>
 <FormTemplates xmlns="http://schemas.microsoft.com/sharepoint/v3/contenttype/forms">
@@ -9891,23 +10223,6 @@
 </file>
 
 <file path=customXml/itemProps1.xml><?xml version="1.0" encoding="utf-8"?>
-<ds:datastoreItem xmlns:ds="http://schemas.openxmlformats.org/officeDocument/2006/customXml" ds:itemID="{B470C3CE-871E-471D-827D-756DC4BA1786}">
-  <ds:schemaRefs>
-    <ds:schemaRef ds:uri="http://purl.org/dc/dcmitype/"/>
-    <ds:schemaRef ds:uri="2551ef7e-3b29-44d1-a8ad-ef34c26bfc60"/>
-    <ds:schemaRef ds:uri="http://purl.org/dc/elements/1.1/"/>
-    <ds:schemaRef ds:uri="http://schemas.microsoft.com/office/2006/documentManagement/types"/>
-    <ds:schemaRef ds:uri="6ba39cd2-5d62-44d6-9fe3-6d65b1ded336"/>
-    <ds:schemaRef ds:uri="http://purl.org/dc/terms/"/>
-    <ds:schemaRef ds:uri="http://schemas.microsoft.com/office/infopath/2007/PartnerControls"/>
-    <ds:schemaRef ds:uri="http://schemas.openxmlformats.org/package/2006/metadata/core-properties"/>
-    <ds:schemaRef ds:uri="http://schemas.microsoft.com/office/2006/metadata/properties"/>
-    <ds:schemaRef ds:uri="http://www.w3.org/XML/1998/namespace"/>
-  </ds:schemaRefs>
-</ds:datastoreItem>
-</file>
-
-<file path=customXml/itemProps2.xml><?xml version="1.0" encoding="utf-8"?>
 <ds:datastoreItem xmlns:ds="http://schemas.openxmlformats.org/officeDocument/2006/customXml" ds:itemID="{B0E867AC-08F5-4EE8-A7CD-6A5EC0153601}">
   <ds:schemaRefs>
     <ds:schemaRef ds:uri="http://schemas.microsoft.com/office/2006/metadata/contentType"/>
@@ -9926,6 +10241,23 @@
 </ds:datastoreItem>
 </file>
 
+<file path=customXml/itemProps2.xml><?xml version="1.0" encoding="utf-8"?>
+<ds:datastoreItem xmlns:ds="http://schemas.openxmlformats.org/officeDocument/2006/customXml" ds:itemID="{B470C3CE-871E-471D-827D-756DC4BA1786}">
+  <ds:schemaRefs>
+    <ds:schemaRef ds:uri="http://purl.org/dc/dcmitype/"/>
+    <ds:schemaRef ds:uri="2551ef7e-3b29-44d1-a8ad-ef34c26bfc60"/>
+    <ds:schemaRef ds:uri="http://purl.org/dc/elements/1.1/"/>
+    <ds:schemaRef ds:uri="http://schemas.microsoft.com/office/2006/documentManagement/types"/>
+    <ds:schemaRef ds:uri="6ba39cd2-5d62-44d6-9fe3-6d65b1ded336"/>
+    <ds:schemaRef ds:uri="http://purl.org/dc/terms/"/>
+    <ds:schemaRef ds:uri="http://schemas.microsoft.com/office/infopath/2007/PartnerControls"/>
+    <ds:schemaRef ds:uri="http://schemas.openxmlformats.org/package/2006/metadata/core-properties"/>
+    <ds:schemaRef ds:uri="http://schemas.microsoft.com/office/2006/metadata/properties"/>
+    <ds:schemaRef ds:uri="http://www.w3.org/XML/1998/namespace"/>
+  </ds:schemaRefs>
+</ds:datastoreItem>
+</file>
+
 <file path=customXml/itemProps3.xml><?xml version="1.0" encoding="utf-8"?>
 <ds:datastoreItem xmlns:ds="http://schemas.openxmlformats.org/officeDocument/2006/customXml" ds:itemID="{38A61B13-3BD8-4182-A6C0-87987DF79A6D}">
   <ds:schemaRefs>
